--- a/vogdb/figures/tigr_Nsigma_HostPhylum.pptx
+++ b/vogdb/figures/tigr_Nsigma_HostPhylum.pptx
@@ -2332,8 +2332,138 @@
           </p:nvSpPr>
           <p:spPr>
             <a:xfrm>
-              <a:off x="1874423" y="1088740"/>
-              <a:ext cx="904170" cy="119325"/>
+              <a:off x="1567651" y="1088740"/>
+              <a:ext cx="1210942" cy="119325"/>
+            </a:xfrm>
+            <a:prstGeom prst="rect">
+              <a:avLst/>
+            </a:prstGeom>
+            <a:solidFill>
+              <a:srgbClr val="7AD151">
+                <a:alpha val="100000"/>
+              </a:srgbClr>
+            </a:solidFill>
+          </p:spPr>
+          <p:txBody>
+            <a:bodyPr/>
+            <a:lstStyle/>
+            <a:p/>
+          </p:txBody>
+        </p:sp>
+        <p:sp>
+          <p:nvSpPr>
+            <p:cNvPr id="7" name="rc7"/>
+            <p:cNvSpPr/>
+            <p:nvPr/>
+          </p:nvSpPr>
+          <p:spPr>
+            <a:xfrm>
+              <a:off x="841086" y="1088740"/>
+              <a:ext cx="726565" cy="119325"/>
+            </a:xfrm>
+            <a:prstGeom prst="rect">
+              <a:avLst/>
+            </a:prstGeom>
+            <a:solidFill>
+              <a:srgbClr val="2A788E">
+                <a:alpha val="100000"/>
+              </a:srgbClr>
+            </a:solidFill>
+          </p:spPr>
+          <p:txBody>
+            <a:bodyPr/>
+            <a:lstStyle/>
+            <a:p/>
+          </p:txBody>
+        </p:sp>
+        <p:sp>
+          <p:nvSpPr>
+            <p:cNvPr id="8" name="rc8"/>
+            <p:cNvSpPr/>
+            <p:nvPr/>
+          </p:nvSpPr>
+          <p:spPr>
+            <a:xfrm>
+              <a:off x="841086" y="850089"/>
+              <a:ext cx="1937507" cy="119325"/>
+            </a:xfrm>
+            <a:prstGeom prst="rect">
+              <a:avLst/>
+            </a:prstGeom>
+            <a:solidFill>
+              <a:srgbClr val="7AD151">
+                <a:alpha val="100000"/>
+              </a:srgbClr>
+            </a:solidFill>
+          </p:spPr>
+          <p:txBody>
+            <a:bodyPr/>
+            <a:lstStyle/>
+            <a:p/>
+          </p:txBody>
+        </p:sp>
+        <p:sp>
+          <p:nvSpPr>
+            <p:cNvPr id="9" name="rc9"/>
+            <p:cNvSpPr/>
+            <p:nvPr/>
+          </p:nvSpPr>
+          <p:spPr>
+            <a:xfrm>
+              <a:off x="869579" y="611439"/>
+              <a:ext cx="1909015" cy="119325"/>
+            </a:xfrm>
+            <a:prstGeom prst="rect">
+              <a:avLst/>
+            </a:prstGeom>
+            <a:solidFill>
+              <a:srgbClr val="7AD151">
+                <a:alpha val="100000"/>
+              </a:srgbClr>
+            </a:solidFill>
+          </p:spPr>
+          <p:txBody>
+            <a:bodyPr/>
+            <a:lstStyle/>
+            <a:p/>
+          </p:txBody>
+        </p:sp>
+        <p:sp>
+          <p:nvSpPr>
+            <p:cNvPr id="10" name="rc10"/>
+            <p:cNvSpPr/>
+            <p:nvPr/>
+          </p:nvSpPr>
+          <p:spPr>
+            <a:xfrm>
+              <a:off x="841086" y="611439"/>
+              <a:ext cx="28492" cy="119325"/>
+            </a:xfrm>
+            <a:prstGeom prst="rect">
+              <a:avLst/>
+            </a:prstGeom>
+            <a:solidFill>
+              <a:srgbClr val="2A788E">
+                <a:alpha val="100000"/>
+              </a:srgbClr>
+            </a:solidFill>
+          </p:spPr>
+          <p:txBody>
+            <a:bodyPr/>
+            <a:lstStyle/>
+            <a:p/>
+          </p:txBody>
+        </p:sp>
+        <p:sp>
+          <p:nvSpPr>
+            <p:cNvPr id="11" name="rc11"/>
+            <p:cNvSpPr/>
+            <p:nvPr/>
+          </p:nvSpPr>
+          <p:spPr>
+            <a:xfrm>
+              <a:off x="2032862" y="372788"/>
+              <a:ext cx="745731" cy="119325"/>
             </a:xfrm>
             <a:prstGeom prst="rect">
               <a:avLst/>
@@ -2352,14 +2482,14 @@
         </p:sp>
         <p:sp>
           <p:nvSpPr>
-            <p:cNvPr id="7" name="rc7"/>
-            <p:cNvSpPr/>
-            <p:nvPr/>
-          </p:nvSpPr>
-          <p:spPr>
-            <a:xfrm>
-              <a:off x="1228587" y="1088740"/>
-              <a:ext cx="645835" cy="119325"/>
+            <p:cNvPr id="12" name="rc12"/>
+            <p:cNvSpPr/>
+            <p:nvPr/>
+          </p:nvSpPr>
+          <p:spPr>
+            <a:xfrm>
+              <a:off x="1489245" y="372788"/>
+              <a:ext cx="543617" cy="119325"/>
             </a:xfrm>
             <a:prstGeom prst="rect">
               <a:avLst/>
@@ -2378,14 +2508,40 @@
         </p:sp>
         <p:sp>
           <p:nvSpPr>
-            <p:cNvPr id="8" name="rc8"/>
-            <p:cNvSpPr/>
-            <p:nvPr/>
-          </p:nvSpPr>
-          <p:spPr>
-            <a:xfrm>
-              <a:off x="841086" y="1088740"/>
-              <a:ext cx="387501" cy="119325"/>
+            <p:cNvPr id="13" name="rc13"/>
+            <p:cNvSpPr/>
+            <p:nvPr/>
+          </p:nvSpPr>
+          <p:spPr>
+            <a:xfrm>
+              <a:off x="1468337" y="372788"/>
+              <a:ext cx="20908" cy="119325"/>
+            </a:xfrm>
+            <a:prstGeom prst="rect">
+              <a:avLst/>
+            </a:prstGeom>
+            <a:solidFill>
+              <a:srgbClr val="22A884">
+                <a:alpha val="100000"/>
+              </a:srgbClr>
+            </a:solidFill>
+          </p:spPr>
+          <p:txBody>
+            <a:bodyPr/>
+            <a:lstStyle/>
+            <a:p/>
+          </p:txBody>
+        </p:sp>
+        <p:sp>
+          <p:nvSpPr>
+            <p:cNvPr id="14" name="rc14"/>
+            <p:cNvSpPr/>
+            <p:nvPr/>
+          </p:nvSpPr>
+          <p:spPr>
+            <a:xfrm>
+              <a:off x="1440459" y="372788"/>
+              <a:ext cx="27877" cy="119325"/>
             </a:xfrm>
             <a:prstGeom prst="rect">
               <a:avLst/>
@@ -2404,14 +2560,92 @@
         </p:sp>
         <p:sp>
           <p:nvSpPr>
-            <p:cNvPr id="9" name="rc9"/>
-            <p:cNvSpPr/>
-            <p:nvPr/>
-          </p:nvSpPr>
-          <p:spPr>
-            <a:xfrm>
-              <a:off x="841086" y="850089"/>
-              <a:ext cx="1937507" cy="119325"/>
+            <p:cNvPr id="15" name="rc15"/>
+            <p:cNvSpPr/>
+            <p:nvPr/>
+          </p:nvSpPr>
+          <p:spPr>
+            <a:xfrm>
+              <a:off x="1419551" y="372788"/>
+              <a:ext cx="20908" cy="119325"/>
+            </a:xfrm>
+            <a:prstGeom prst="rect">
+              <a:avLst/>
+            </a:prstGeom>
+            <a:solidFill>
+              <a:srgbClr val="414487">
+                <a:alpha val="100000"/>
+              </a:srgbClr>
+            </a:solidFill>
+          </p:spPr>
+          <p:txBody>
+            <a:bodyPr/>
+            <a:lstStyle/>
+            <a:p/>
+          </p:txBody>
+        </p:sp>
+        <p:sp>
+          <p:nvSpPr>
+            <p:cNvPr id="16" name="rc16"/>
+            <p:cNvSpPr/>
+            <p:nvPr/>
+          </p:nvSpPr>
+          <p:spPr>
+            <a:xfrm>
+              <a:off x="841086" y="372788"/>
+              <a:ext cx="578464" cy="119325"/>
+            </a:xfrm>
+            <a:prstGeom prst="rect">
+              <a:avLst/>
+            </a:prstGeom>
+            <a:solidFill>
+              <a:srgbClr val="440154">
+                <a:alpha val="100000"/>
+              </a:srgbClr>
+            </a:solidFill>
+          </p:spPr>
+          <p:txBody>
+            <a:bodyPr/>
+            <a:lstStyle/>
+            <a:p/>
+          </p:txBody>
+        </p:sp>
+        <p:sp>
+          <p:nvSpPr>
+            <p:cNvPr id="17" name="rc17"/>
+            <p:cNvSpPr/>
+            <p:nvPr/>
+          </p:nvSpPr>
+          <p:spPr>
+            <a:xfrm>
+              <a:off x="1311464" y="134137"/>
+              <a:ext cx="1467130" cy="119325"/>
+            </a:xfrm>
+            <a:prstGeom prst="rect">
+              <a:avLst/>
+            </a:prstGeom>
+            <a:solidFill>
+              <a:srgbClr val="FDE725">
+                <a:alpha val="100000"/>
+              </a:srgbClr>
+            </a:solidFill>
+          </p:spPr>
+          <p:txBody>
+            <a:bodyPr/>
+            <a:lstStyle/>
+            <a:p/>
+          </p:txBody>
+        </p:sp>
+        <p:sp>
+          <p:nvSpPr>
+            <p:cNvPr id="18" name="rc18"/>
+            <p:cNvSpPr/>
+            <p:nvPr/>
+          </p:nvSpPr>
+          <p:spPr>
+            <a:xfrm>
+              <a:off x="841086" y="134137"/>
+              <a:ext cx="470377" cy="119325"/>
             </a:xfrm>
             <a:prstGeom prst="rect">
               <a:avLst/>
@@ -2430,267 +2664,7 @@
         </p:sp>
         <p:sp>
           <p:nvSpPr>
-            <p:cNvPr id="10" name="rc10"/>
-            <p:cNvSpPr/>
-            <p:nvPr/>
-          </p:nvSpPr>
-          <p:spPr>
-            <a:xfrm>
-              <a:off x="896443" y="611439"/>
-              <a:ext cx="1882150" cy="119325"/>
-            </a:xfrm>
-            <a:prstGeom prst="rect">
-              <a:avLst/>
-            </a:prstGeom>
-            <a:solidFill>
-              <a:srgbClr val="7AD151">
-                <a:alpha val="100000"/>
-              </a:srgbClr>
-            </a:solidFill>
-          </p:spPr>
-          <p:txBody>
-            <a:bodyPr/>
-            <a:lstStyle/>
-            <a:p/>
-          </p:txBody>
-        </p:sp>
-        <p:sp>
-          <p:nvSpPr>
-            <p:cNvPr id="11" name="rc11"/>
-            <p:cNvSpPr/>
-            <p:nvPr/>
-          </p:nvSpPr>
-          <p:spPr>
-            <a:xfrm>
-              <a:off x="841086" y="611439"/>
-              <a:ext cx="55357" cy="119325"/>
-            </a:xfrm>
-            <a:prstGeom prst="rect">
-              <a:avLst/>
-            </a:prstGeom>
-            <a:solidFill>
-              <a:srgbClr val="2A788E">
-                <a:alpha val="100000"/>
-              </a:srgbClr>
-            </a:solidFill>
-          </p:spPr>
-          <p:txBody>
-            <a:bodyPr/>
-            <a:lstStyle/>
-            <a:p/>
-          </p:txBody>
-        </p:sp>
-        <p:sp>
-          <p:nvSpPr>
-            <p:cNvPr id="12" name="rc12"/>
-            <p:cNvSpPr/>
-            <p:nvPr/>
-          </p:nvSpPr>
-          <p:spPr>
-            <a:xfrm>
-              <a:off x="2057459" y="372788"/>
-              <a:ext cx="721135" cy="119325"/>
-            </a:xfrm>
-            <a:prstGeom prst="rect">
-              <a:avLst/>
-            </a:prstGeom>
-            <a:solidFill>
-              <a:srgbClr val="FDE725">
-                <a:alpha val="100000"/>
-              </a:srgbClr>
-            </a:solidFill>
-          </p:spPr>
-          <p:txBody>
-            <a:bodyPr/>
-            <a:lstStyle/>
-            <a:p/>
-          </p:txBody>
-        </p:sp>
-        <p:sp>
-          <p:nvSpPr>
-            <p:cNvPr id="13" name="rc13"/>
-            <p:cNvSpPr/>
-            <p:nvPr/>
-          </p:nvSpPr>
-          <p:spPr>
-            <a:xfrm>
-              <a:off x="1588286" y="372788"/>
-              <a:ext cx="469172" cy="119325"/>
-            </a:xfrm>
-            <a:prstGeom prst="rect">
-              <a:avLst/>
-            </a:prstGeom>
-            <a:solidFill>
-              <a:srgbClr val="7AD151">
-                <a:alpha val="100000"/>
-              </a:srgbClr>
-            </a:solidFill>
-          </p:spPr>
-          <p:txBody>
-            <a:bodyPr/>
-            <a:lstStyle/>
-            <a:p/>
-          </p:txBody>
-        </p:sp>
-        <p:sp>
-          <p:nvSpPr>
-            <p:cNvPr id="14" name="rc14"/>
-            <p:cNvSpPr/>
-            <p:nvPr/>
-          </p:nvSpPr>
-          <p:spPr>
-            <a:xfrm>
-              <a:off x="1562221" y="372788"/>
-              <a:ext cx="26065" cy="119325"/>
-            </a:xfrm>
-            <a:prstGeom prst="rect">
-              <a:avLst/>
-            </a:prstGeom>
-            <a:solidFill>
-              <a:srgbClr val="22A884">
-                <a:alpha val="100000"/>
-              </a:srgbClr>
-            </a:solidFill>
-          </p:spPr>
-          <p:txBody>
-            <a:bodyPr/>
-            <a:lstStyle/>
-            <a:p/>
-          </p:txBody>
-        </p:sp>
-        <p:sp>
-          <p:nvSpPr>
-            <p:cNvPr id="15" name="rc15"/>
-            <p:cNvSpPr/>
-            <p:nvPr/>
-          </p:nvSpPr>
-          <p:spPr>
-            <a:xfrm>
-              <a:off x="1527468" y="372788"/>
-              <a:ext cx="34753" cy="119325"/>
-            </a:xfrm>
-            <a:prstGeom prst="rect">
-              <a:avLst/>
-            </a:prstGeom>
-            <a:solidFill>
-              <a:srgbClr val="2A788E">
-                <a:alpha val="100000"/>
-              </a:srgbClr>
-            </a:solidFill>
-          </p:spPr>
-          <p:txBody>
-            <a:bodyPr/>
-            <a:lstStyle/>
-            <a:p/>
-          </p:txBody>
-        </p:sp>
-        <p:sp>
-          <p:nvSpPr>
-            <p:cNvPr id="16" name="rc16"/>
-            <p:cNvSpPr/>
-            <p:nvPr/>
-          </p:nvSpPr>
-          <p:spPr>
-            <a:xfrm>
-              <a:off x="1501403" y="372788"/>
-              <a:ext cx="26065" cy="119325"/>
-            </a:xfrm>
-            <a:prstGeom prst="rect">
-              <a:avLst/>
-            </a:prstGeom>
-            <a:solidFill>
-              <a:srgbClr val="414487">
-                <a:alpha val="100000"/>
-              </a:srgbClr>
-            </a:solidFill>
-          </p:spPr>
-          <p:txBody>
-            <a:bodyPr/>
-            <a:lstStyle/>
-            <a:p/>
-          </p:txBody>
-        </p:sp>
-        <p:sp>
-          <p:nvSpPr>
-            <p:cNvPr id="17" name="rc17"/>
-            <p:cNvSpPr/>
-            <p:nvPr/>
-          </p:nvSpPr>
-          <p:spPr>
-            <a:xfrm>
-              <a:off x="841086" y="372788"/>
-              <a:ext cx="660316" cy="119325"/>
-            </a:xfrm>
-            <a:prstGeom prst="rect">
-              <a:avLst/>
-            </a:prstGeom>
-            <a:solidFill>
-              <a:srgbClr val="440154">
-                <a:alpha val="100000"/>
-              </a:srgbClr>
-            </a:solidFill>
-          </p:spPr>
-          <p:txBody>
-            <a:bodyPr/>
-            <a:lstStyle/>
-            <a:p/>
-          </p:txBody>
-        </p:sp>
-        <p:sp>
-          <p:nvSpPr>
-            <p:cNvPr id="18" name="rc18"/>
-            <p:cNvSpPr/>
-            <p:nvPr/>
-          </p:nvSpPr>
-          <p:spPr>
-            <a:xfrm>
-              <a:off x="1447025" y="134137"/>
-              <a:ext cx="1331569" cy="119325"/>
-            </a:xfrm>
-            <a:prstGeom prst="rect">
-              <a:avLst/>
-            </a:prstGeom>
-            <a:solidFill>
-              <a:srgbClr val="FDE725">
-                <a:alpha val="100000"/>
-              </a:srgbClr>
-            </a:solidFill>
-          </p:spPr>
-          <p:txBody>
-            <a:bodyPr/>
-            <a:lstStyle/>
-            <a:p/>
-          </p:txBody>
-        </p:sp>
-        <p:sp>
-          <p:nvSpPr>
             <p:cNvPr id="19" name="rc19"/>
-            <p:cNvSpPr/>
-            <p:nvPr/>
-          </p:nvSpPr>
-          <p:spPr>
-            <a:xfrm>
-              <a:off x="841086" y="134137"/>
-              <a:ext cx="605938" cy="119325"/>
-            </a:xfrm>
-            <a:prstGeom prst="rect">
-              <a:avLst/>
-            </a:prstGeom>
-            <a:solidFill>
-              <a:srgbClr val="7AD151">
-                <a:alpha val="100000"/>
-              </a:srgbClr>
-            </a:solidFill>
-          </p:spPr>
-          <p:txBody>
-            <a:bodyPr/>
-            <a:lstStyle/>
-            <a:p/>
-          </p:txBody>
-        </p:sp>
-        <p:sp>
-          <p:nvSpPr>
-            <p:cNvPr id="20" name="rc20"/>
             <p:cNvSpPr/>
             <p:nvPr/>
           </p:nvSpPr>
@@ -2720,7 +2694,7 @@
         </p:sp>
         <p:sp>
           <p:nvSpPr>
-            <p:cNvPr id="21" name="pl21"/>
+            <p:cNvPr id="20" name="pl20"/>
             <p:cNvSpPr/>
             <p:nvPr/>
           </p:nvSpPr>
@@ -2760,7 +2734,7 @@
         </p:sp>
         <p:sp>
           <p:nvSpPr>
-            <p:cNvPr id="22" name="tx22"/>
+            <p:cNvPr id="21" name="tx21"/>
             <p:cNvSpPr/>
             <p:nvPr/>
           </p:nvSpPr>
@@ -2806,14 +2780,14 @@
         </p:sp>
         <p:sp>
           <p:nvSpPr>
-            <p:cNvPr id="23" name="tx23"/>
-            <p:cNvSpPr/>
-            <p:nvPr/>
-          </p:nvSpPr>
-          <p:spPr>
-            <a:xfrm>
-              <a:off x="461449" y="1145105"/>
-              <a:ext cx="237212" cy="76279"/>
+            <p:cNvPr id="22" name="tx22"/>
+            <p:cNvSpPr/>
+            <p:nvPr/>
+          </p:nvSpPr>
+          <p:spPr>
+            <a:xfrm>
+              <a:off x="506653" y="1145105"/>
+              <a:ext cx="192008" cy="76279"/>
             </a:xfrm>
             <a:prstGeom prst="rect">
               <a:avLst/>
@@ -2845,14 +2819,14 @@
                   <a:latin typeface="Arial"/>
                   <a:cs typeface="Arial"/>
                 </a:rPr>
-                <a:t>(n=15)</a:t>
+                <a:t>(n=8)</a:t>
               </a:r>
             </a:p>
           </p:txBody>
         </p:sp>
         <p:sp>
           <p:nvSpPr>
-            <p:cNvPr id="24" name="tx24"/>
+            <p:cNvPr id="23" name="tx23"/>
             <p:cNvSpPr/>
             <p:nvPr/>
           </p:nvSpPr>
@@ -2898,14 +2872,14 @@
         </p:sp>
         <p:sp>
           <p:nvSpPr>
-            <p:cNvPr id="25" name="tx25"/>
-            <p:cNvSpPr/>
-            <p:nvPr/>
-          </p:nvSpPr>
-          <p:spPr>
-            <a:xfrm>
-              <a:off x="506653" y="906455"/>
-              <a:ext cx="192008" cy="76279"/>
+            <p:cNvPr id="24" name="tx24"/>
+            <p:cNvSpPr/>
+            <p:nvPr/>
+          </p:nvSpPr>
+          <p:spPr>
+            <a:xfrm>
+              <a:off x="461449" y="906455"/>
+              <a:ext cx="237212" cy="76279"/>
             </a:xfrm>
             <a:prstGeom prst="rect">
               <a:avLst/>
@@ -2937,14 +2911,14 @@
                   <a:latin typeface="Arial"/>
                   <a:cs typeface="Arial"/>
                 </a:rPr>
-                <a:t>(n=2)</a:t>
+                <a:t>(n=24)</a:t>
               </a:r>
             </a:p>
           </p:txBody>
         </p:sp>
         <p:sp>
           <p:nvSpPr>
-            <p:cNvPr id="26" name="tx26"/>
+            <p:cNvPr id="25" name="tx25"/>
             <p:cNvSpPr/>
             <p:nvPr/>
           </p:nvSpPr>
@@ -2990,7 +2964,7 @@
         </p:sp>
         <p:sp>
           <p:nvSpPr>
-            <p:cNvPr id="27" name="tx27"/>
+            <p:cNvPr id="26" name="tx26"/>
             <p:cNvSpPr/>
             <p:nvPr/>
           </p:nvSpPr>
@@ -3029,14 +3003,14 @@
                   <a:latin typeface="Arial"/>
                   <a:cs typeface="Arial"/>
                 </a:rPr>
-                <a:t>(n=70)</a:t>
+                <a:t>(n=68)</a:t>
               </a:r>
             </a:p>
           </p:txBody>
         </p:sp>
         <p:sp>
           <p:nvSpPr>
-            <p:cNvPr id="28" name="tx28"/>
+            <p:cNvPr id="27" name="tx27"/>
             <p:cNvSpPr/>
             <p:nvPr/>
           </p:nvSpPr>
@@ -3082,7 +3056,7 @@
         </p:sp>
         <p:sp>
           <p:nvSpPr>
-            <p:cNvPr id="29" name="tx29"/>
+            <p:cNvPr id="28" name="tx28"/>
             <p:cNvSpPr/>
             <p:nvPr/>
           </p:nvSpPr>
@@ -3121,14 +3095,14 @@
                   <a:latin typeface="Arial"/>
                   <a:cs typeface="Arial"/>
                 </a:rPr>
-                <a:t>(n=223)</a:t>
+                <a:t>(n=278)</a:t>
               </a:r>
             </a:p>
           </p:txBody>
         </p:sp>
         <p:sp>
           <p:nvSpPr>
-            <p:cNvPr id="30" name="tx30"/>
+            <p:cNvPr id="29" name="tx29"/>
             <p:cNvSpPr/>
             <p:nvPr/>
           </p:nvSpPr>
@@ -3174,7 +3148,7 @@
         </p:sp>
         <p:sp>
           <p:nvSpPr>
-            <p:cNvPr id="31" name="tx31"/>
+            <p:cNvPr id="30" name="tx30"/>
             <p:cNvSpPr/>
             <p:nvPr/>
           </p:nvSpPr>
@@ -3213,14 +3187,14 @@
                   <a:latin typeface="Arial"/>
                   <a:cs typeface="Arial"/>
                 </a:rPr>
-                <a:t>(n=259)</a:t>
+                <a:t>(n=346)</a:t>
               </a:r>
             </a:p>
           </p:txBody>
         </p:sp>
         <p:sp>
           <p:nvSpPr>
-            <p:cNvPr id="32" name="pl32"/>
+            <p:cNvPr id="31" name="pl31"/>
             <p:cNvSpPr/>
             <p:nvPr/>
           </p:nvSpPr>
@@ -3260,7 +3234,7 @@
         </p:sp>
         <p:sp>
           <p:nvSpPr>
-            <p:cNvPr id="33" name="pl33"/>
+            <p:cNvPr id="32" name="pl32"/>
             <p:cNvSpPr/>
             <p:nvPr/>
           </p:nvSpPr>
@@ -3300,7 +3274,7 @@
         </p:sp>
         <p:sp>
           <p:nvSpPr>
-            <p:cNvPr id="34" name="pl34"/>
+            <p:cNvPr id="33" name="pl33"/>
             <p:cNvSpPr/>
             <p:nvPr/>
           </p:nvSpPr>
@@ -3340,7 +3314,7 @@
         </p:sp>
         <p:sp>
           <p:nvSpPr>
-            <p:cNvPr id="35" name="pl35"/>
+            <p:cNvPr id="34" name="pl34"/>
             <p:cNvSpPr/>
             <p:nvPr/>
           </p:nvSpPr>
@@ -3380,7 +3354,7 @@
         </p:sp>
         <p:sp>
           <p:nvSpPr>
-            <p:cNvPr id="36" name="pl36"/>
+            <p:cNvPr id="35" name="pl35"/>
             <p:cNvSpPr/>
             <p:nvPr/>
           </p:nvSpPr>
@@ -3420,7 +3394,7 @@
         </p:sp>
         <p:sp>
           <p:nvSpPr>
-            <p:cNvPr id="37" name="pl37"/>
+            <p:cNvPr id="36" name="pl36"/>
             <p:cNvSpPr/>
             <p:nvPr/>
           </p:nvSpPr>
@@ -3460,7 +3434,7 @@
         </p:sp>
         <p:sp>
           <p:nvSpPr>
-            <p:cNvPr id="38" name="pl38"/>
+            <p:cNvPr id="37" name="pl37"/>
             <p:cNvSpPr/>
             <p:nvPr/>
           </p:nvSpPr>
@@ -3500,7 +3474,7 @@
         </p:sp>
         <p:sp>
           <p:nvSpPr>
-            <p:cNvPr id="39" name="pl39"/>
+            <p:cNvPr id="38" name="pl38"/>
             <p:cNvSpPr/>
             <p:nvPr/>
           </p:nvSpPr>
@@ -3540,7 +3514,7 @@
         </p:sp>
         <p:sp>
           <p:nvSpPr>
-            <p:cNvPr id="40" name="pl40"/>
+            <p:cNvPr id="39" name="pl39"/>
             <p:cNvSpPr/>
             <p:nvPr/>
           </p:nvSpPr>
@@ -3580,7 +3554,7 @@
         </p:sp>
         <p:sp>
           <p:nvSpPr>
-            <p:cNvPr id="41" name="pl41"/>
+            <p:cNvPr id="40" name="pl40"/>
             <p:cNvSpPr/>
             <p:nvPr/>
           </p:nvSpPr>
@@ -3620,7 +3594,7 @@
         </p:sp>
         <p:sp>
           <p:nvSpPr>
-            <p:cNvPr id="42" name="pl42"/>
+            <p:cNvPr id="41" name="pl41"/>
             <p:cNvSpPr/>
             <p:nvPr/>
           </p:nvSpPr>
@@ -3660,7 +3634,7 @@
         </p:sp>
         <p:sp>
           <p:nvSpPr>
-            <p:cNvPr id="43" name="tx43"/>
+            <p:cNvPr id="42" name="tx42"/>
             <p:cNvSpPr/>
             <p:nvPr/>
           </p:nvSpPr>
@@ -3706,7 +3680,7 @@
         </p:sp>
         <p:sp>
           <p:nvSpPr>
-            <p:cNvPr id="44" name="tx44"/>
+            <p:cNvPr id="43" name="tx43"/>
             <p:cNvSpPr/>
             <p:nvPr/>
           </p:nvSpPr>
@@ -3752,7 +3726,7 @@
         </p:sp>
         <p:sp>
           <p:nvSpPr>
-            <p:cNvPr id="45" name="tx45"/>
+            <p:cNvPr id="44" name="tx44"/>
             <p:cNvSpPr/>
             <p:nvPr/>
           </p:nvSpPr>
@@ -3798,7 +3772,7 @@
         </p:sp>
         <p:sp>
           <p:nvSpPr>
-            <p:cNvPr id="46" name="tx46"/>
+            <p:cNvPr id="45" name="tx45"/>
             <p:cNvSpPr/>
             <p:nvPr/>
           </p:nvSpPr>
@@ -3844,7 +3818,7 @@
         </p:sp>
         <p:sp>
           <p:nvSpPr>
-            <p:cNvPr id="47" name="tx47"/>
+            <p:cNvPr id="46" name="tx46"/>
             <p:cNvSpPr/>
             <p:nvPr/>
           </p:nvSpPr>
@@ -3890,7 +3864,7 @@
         </p:sp>
         <p:sp>
           <p:nvSpPr>
-            <p:cNvPr id="48" name="tx48"/>
+            <p:cNvPr id="47" name="tx47"/>
             <p:cNvSpPr/>
             <p:nvPr/>
           </p:nvSpPr>

--- a/vogdb/figures/tigr_Nsigma_HostPhylum.pptx
+++ b/vogdb/figures/tigr_Nsigma_HostPhylum.pptx
@@ -2332,8 +2332,8 @@
           </p:nvSpPr>
           <p:spPr>
             <a:xfrm>
-              <a:off x="1567651" y="1088740"/>
-              <a:ext cx="1210942" cy="119325"/>
+              <a:off x="1567651" y="1121458"/>
+              <a:ext cx="1210942" cy="100079"/>
             </a:xfrm>
             <a:prstGeom prst="rect">
               <a:avLst/>
@@ -2358,8 +2358,8 @@
           </p:nvSpPr>
           <p:spPr>
             <a:xfrm>
-              <a:off x="841086" y="1088740"/>
-              <a:ext cx="726565" cy="119325"/>
+              <a:off x="841086" y="1121458"/>
+              <a:ext cx="726565" cy="100079"/>
             </a:xfrm>
             <a:prstGeom prst="rect">
               <a:avLst/>
@@ -2384,8 +2384,8 @@
           </p:nvSpPr>
           <p:spPr>
             <a:xfrm>
-              <a:off x="841086" y="850089"/>
-              <a:ext cx="1937507" cy="119325"/>
+              <a:off x="841086" y="921300"/>
+              <a:ext cx="1937507" cy="100079"/>
             </a:xfrm>
             <a:prstGeom prst="rect">
               <a:avLst/>
@@ -2410,8 +2410,8 @@
           </p:nvSpPr>
           <p:spPr>
             <a:xfrm>
-              <a:off x="869579" y="611439"/>
-              <a:ext cx="1909015" cy="119325"/>
+              <a:off x="870894" y="721141"/>
+              <a:ext cx="1907700" cy="100079"/>
             </a:xfrm>
             <a:prstGeom prst="rect">
               <a:avLst/>
@@ -2436,8 +2436,8 @@
           </p:nvSpPr>
           <p:spPr>
             <a:xfrm>
-              <a:off x="841086" y="611439"/>
-              <a:ext cx="28492" cy="119325"/>
+              <a:off x="841086" y="721141"/>
+              <a:ext cx="29807" cy="100079"/>
             </a:xfrm>
             <a:prstGeom prst="rect">
               <a:avLst/>
@@ -2462,8 +2462,8 @@
           </p:nvSpPr>
           <p:spPr>
             <a:xfrm>
-              <a:off x="2032862" y="372788"/>
-              <a:ext cx="745731" cy="119325"/>
+              <a:off x="2045679" y="520982"/>
+              <a:ext cx="732915" cy="100079"/>
             </a:xfrm>
             <a:prstGeom prst="rect">
               <a:avLst/>
@@ -2488,8 +2488,8 @@
           </p:nvSpPr>
           <p:spPr>
             <a:xfrm>
-              <a:off x="1489245" y="372788"/>
-              <a:ext cx="543617" cy="119325"/>
+              <a:off x="1494178" y="520982"/>
+              <a:ext cx="551500" cy="100079"/>
             </a:xfrm>
             <a:prstGeom prst="rect">
               <a:avLst/>
@@ -2514,8 +2514,8 @@
           </p:nvSpPr>
           <p:spPr>
             <a:xfrm>
-              <a:off x="1468337" y="372788"/>
-              <a:ext cx="20908" cy="119325"/>
+              <a:off x="1472409" y="520982"/>
+              <a:ext cx="21769" cy="100079"/>
             </a:xfrm>
             <a:prstGeom prst="rect">
               <a:avLst/>
@@ -2540,8 +2540,8 @@
           </p:nvSpPr>
           <p:spPr>
             <a:xfrm>
-              <a:off x="1440459" y="372788"/>
-              <a:ext cx="27877" cy="119325"/>
+              <a:off x="1443382" y="520982"/>
+              <a:ext cx="29026" cy="100079"/>
             </a:xfrm>
             <a:prstGeom prst="rect">
               <a:avLst/>
@@ -2566,8 +2566,8 @@
           </p:nvSpPr>
           <p:spPr>
             <a:xfrm>
-              <a:off x="1419551" y="372788"/>
-              <a:ext cx="20908" cy="119325"/>
+              <a:off x="1421613" y="520982"/>
+              <a:ext cx="21769" cy="100079"/>
             </a:xfrm>
             <a:prstGeom prst="rect">
               <a:avLst/>
@@ -2592,8 +2592,8 @@
           </p:nvSpPr>
           <p:spPr>
             <a:xfrm>
-              <a:off x="841086" y="372788"/>
-              <a:ext cx="578464" cy="119325"/>
+              <a:off x="841086" y="520982"/>
+              <a:ext cx="580526" cy="100079"/>
             </a:xfrm>
             <a:prstGeom prst="rect">
               <a:avLst/>
@@ -2618,8 +2618,8 @@
           </p:nvSpPr>
           <p:spPr>
             <a:xfrm>
-              <a:off x="1311464" y="134137"/>
-              <a:ext cx="1467130" cy="119325"/>
+              <a:off x="1308566" y="120665"/>
+              <a:ext cx="1470027" cy="100079"/>
             </a:xfrm>
             <a:prstGeom prst="rect">
               <a:avLst/>
@@ -2644,8 +2644,8 @@
           </p:nvSpPr>
           <p:spPr>
             <a:xfrm>
-              <a:off x="841086" y="134137"/>
-              <a:ext cx="470377" cy="119325"/>
+              <a:off x="841086" y="120665"/>
+              <a:ext cx="467480" cy="100079"/>
             </a:xfrm>
             <a:prstGeom prst="rect">
               <a:avLst/>
@@ -2665,6 +2665,32 @@
         <p:sp>
           <p:nvSpPr>
             <p:cNvPr id="19" name="rc19"/>
+            <p:cNvSpPr/>
+            <p:nvPr/>
+          </p:nvSpPr>
+          <p:spPr>
+            <a:xfrm>
+              <a:off x="841086" y="320824"/>
+              <a:ext cx="1937507" cy="100079"/>
+            </a:xfrm>
+            <a:prstGeom prst="rect">
+              <a:avLst/>
+            </a:prstGeom>
+            <a:solidFill>
+              <a:srgbClr val="7AD151">
+                <a:alpha val="100000"/>
+              </a:srgbClr>
+            </a:solidFill>
+          </p:spPr>
+          <p:txBody>
+            <a:bodyPr/>
+            <a:lstStyle/>
+            <a:p/>
+          </p:txBody>
+        </p:sp>
+        <p:sp>
+          <p:nvSpPr>
+            <p:cNvPr id="20" name="rc20"/>
             <p:cNvSpPr/>
             <p:nvPr/>
           </p:nvSpPr>
@@ -2694,7 +2720,7 @@
         </p:sp>
         <p:sp>
           <p:nvSpPr>
-            <p:cNvPr id="20" name="pl20"/>
+            <p:cNvPr id="21" name="pl21"/>
             <p:cNvSpPr/>
             <p:nvPr/>
           </p:nvSpPr>
@@ -2734,13 +2760,13 @@
         </p:sp>
         <p:sp>
           <p:nvSpPr>
-            <p:cNvPr id="21" name="tx21"/>
-            <p:cNvSpPr/>
-            <p:nvPr/>
-          </p:nvSpPr>
-          <p:spPr>
-            <a:xfrm>
-              <a:off x="183597" y="1074468"/>
+            <p:cNvPr id="22" name="tx22"/>
+            <p:cNvSpPr/>
+            <p:nvPr/>
+          </p:nvSpPr>
+          <p:spPr>
+            <a:xfrm>
+              <a:off x="183597" y="1097563"/>
               <a:ext cx="515064" cy="59134"/>
             </a:xfrm>
             <a:prstGeom prst="rect">
@@ -2780,13 +2806,13 @@
         </p:sp>
         <p:sp>
           <p:nvSpPr>
-            <p:cNvPr id="22" name="tx22"/>
-            <p:cNvSpPr/>
-            <p:nvPr/>
-          </p:nvSpPr>
-          <p:spPr>
-            <a:xfrm>
-              <a:off x="506653" y="1145105"/>
+            <p:cNvPr id="23" name="tx23"/>
+            <p:cNvSpPr/>
+            <p:nvPr/>
+          </p:nvSpPr>
+          <p:spPr>
+            <a:xfrm>
+              <a:off x="506653" y="1168201"/>
               <a:ext cx="192008" cy="76279"/>
             </a:xfrm>
             <a:prstGeom prst="rect">
@@ -2826,13 +2852,13 @@
         </p:sp>
         <p:sp>
           <p:nvSpPr>
-            <p:cNvPr id="23" name="tx23"/>
-            <p:cNvSpPr/>
-            <p:nvPr/>
-          </p:nvSpPr>
-          <p:spPr>
-            <a:xfrm>
-              <a:off x="201655" y="835817"/>
+            <p:cNvPr id="24" name="tx24"/>
+            <p:cNvSpPr/>
+            <p:nvPr/>
+          </p:nvSpPr>
+          <p:spPr>
+            <a:xfrm>
+              <a:off x="201655" y="897405"/>
               <a:ext cx="497006" cy="59134"/>
             </a:xfrm>
             <a:prstGeom prst="rect">
@@ -2872,14 +2898,14 @@
         </p:sp>
         <p:sp>
           <p:nvSpPr>
-            <p:cNvPr id="24" name="tx24"/>
-            <p:cNvSpPr/>
-            <p:nvPr/>
-          </p:nvSpPr>
-          <p:spPr>
-            <a:xfrm>
-              <a:off x="461449" y="906455"/>
-              <a:ext cx="237212" cy="76279"/>
+            <p:cNvPr id="25" name="tx25"/>
+            <p:cNvSpPr/>
+            <p:nvPr/>
+          </p:nvSpPr>
+          <p:spPr>
+            <a:xfrm>
+              <a:off x="506653" y="968042"/>
+              <a:ext cx="192008" cy="76279"/>
             </a:xfrm>
             <a:prstGeom prst="rect">
               <a:avLst/>
@@ -2911,20 +2937,20 @@
                   <a:latin typeface="Arial"/>
                   <a:cs typeface="Arial"/>
                 </a:rPr>
-                <a:t>(n=24)</a:t>
+                <a:t>(n=2)</a:t>
               </a:r>
             </a:p>
           </p:txBody>
         </p:sp>
         <p:sp>
           <p:nvSpPr>
-            <p:cNvPr id="25" name="tx25"/>
-            <p:cNvSpPr/>
-            <p:nvPr/>
-          </p:nvSpPr>
-          <p:spPr>
-            <a:xfrm>
-              <a:off x="174548" y="580022"/>
+            <p:cNvPr id="26" name="tx26"/>
+            <p:cNvSpPr/>
+            <p:nvPr/>
+          </p:nvSpPr>
+          <p:spPr>
+            <a:xfrm>
+              <a:off x="174548" y="680101"/>
               <a:ext cx="524113" cy="76279"/>
             </a:xfrm>
             <a:prstGeom prst="rect">
@@ -2964,13 +2990,13 @@
         </p:sp>
         <p:sp>
           <p:nvSpPr>
-            <p:cNvPr id="26" name="tx26"/>
-            <p:cNvSpPr/>
-            <p:nvPr/>
-          </p:nvSpPr>
-          <p:spPr>
-            <a:xfrm>
-              <a:off x="461449" y="667804"/>
+            <p:cNvPr id="27" name="tx27"/>
+            <p:cNvSpPr/>
+            <p:nvPr/>
+          </p:nvSpPr>
+          <p:spPr>
+            <a:xfrm>
+              <a:off x="461449" y="767883"/>
               <a:ext cx="237212" cy="76279"/>
             </a:xfrm>
             <a:prstGeom prst="rect">
@@ -3003,20 +3029,20 @@
                   <a:latin typeface="Arial"/>
                   <a:cs typeface="Arial"/>
                 </a:rPr>
-                <a:t>(n=68)</a:t>
+                <a:t>(n=65)</a:t>
               </a:r>
             </a:p>
           </p:txBody>
         </p:sp>
         <p:sp>
           <p:nvSpPr>
-            <p:cNvPr id="27" name="tx27"/>
-            <p:cNvSpPr/>
-            <p:nvPr/>
-          </p:nvSpPr>
-          <p:spPr>
-            <a:xfrm>
-              <a:off x="323853" y="358516"/>
+            <p:cNvPr id="28" name="tx28"/>
+            <p:cNvSpPr/>
+            <p:nvPr/>
+          </p:nvSpPr>
+          <p:spPr>
+            <a:xfrm>
+              <a:off x="323853" y="497087"/>
               <a:ext cx="374808" cy="59134"/>
             </a:xfrm>
             <a:prstGeom prst="rect">
@@ -3056,13 +3082,13 @@
         </p:sp>
         <p:sp>
           <p:nvSpPr>
-            <p:cNvPr id="28" name="tx28"/>
-            <p:cNvSpPr/>
-            <p:nvPr/>
-          </p:nvSpPr>
-          <p:spPr>
-            <a:xfrm>
-              <a:off x="416245" y="429153"/>
+            <p:cNvPr id="29" name="tx29"/>
+            <p:cNvSpPr/>
+            <p:nvPr/>
+          </p:nvSpPr>
+          <p:spPr>
+            <a:xfrm>
+              <a:off x="416245" y="567725"/>
               <a:ext cx="282416" cy="76279"/>
             </a:xfrm>
             <a:prstGeom prst="rect">
@@ -3095,20 +3121,112 @@
                   <a:latin typeface="Arial"/>
                   <a:cs typeface="Arial"/>
                 </a:rPr>
-                <a:t>(n=278)</a:t>
+                <a:t>(n=267)</a:t>
               </a:r>
             </a:p>
           </p:txBody>
         </p:sp>
         <p:sp>
           <p:nvSpPr>
-            <p:cNvPr id="29" name="tx29"/>
-            <p:cNvSpPr/>
-            <p:nvPr/>
-          </p:nvSpPr>
-          <p:spPr>
-            <a:xfrm>
-              <a:off x="170024" y="119865"/>
+            <p:cNvPr id="30" name="tx30"/>
+            <p:cNvSpPr/>
+            <p:nvPr/>
+          </p:nvSpPr>
+          <p:spPr>
+            <a:xfrm>
+              <a:off x="585750" y="297881"/>
+              <a:ext cx="112910" cy="58181"/>
+            </a:xfrm>
+            <a:prstGeom prst="rect">
+              <a:avLst/>
+            </a:prstGeom>
+            <a:noFill/>
+          </p:spPr>
+          <p:txBody>
+            <a:bodyPr lIns="0" rIns="0" tIns="0" bIns="0" anchorCtr="1" anchor="ctr" wrap="none"/>
+            <a:lstStyle/>
+            <a:p>
+              <a:pPr algn="l" marL="0" marR="0" indent="0">
+                <a:lnSpc>
+                  <a:spcPts val="640"/>
+                </a:lnSpc>
+                <a:spcBef>
+                  <a:spcPts val="0"/>
+                </a:spcBef>
+                <a:spcAft>
+                  <a:spcPts val="0"/>
+                </a:spcAft>
+              </a:pPr>
+              <a:r>
+                <a:rPr sz="640">
+                  <a:solidFill>
+                    <a:srgbClr val="4D4D4D">
+                      <a:alpha val="100000"/>
+                    </a:srgbClr>
+                  </a:solidFill>
+                  <a:latin typeface="Arial"/>
+                  <a:cs typeface="Arial"/>
+                </a:rPr>
+                <a:t>NA</a:t>
+              </a:r>
+            </a:p>
+          </p:txBody>
+        </p:sp>
+        <p:sp>
+          <p:nvSpPr>
+            <p:cNvPr id="31" name="tx31"/>
+            <p:cNvSpPr/>
+            <p:nvPr/>
+          </p:nvSpPr>
+          <p:spPr>
+            <a:xfrm>
+              <a:off x="461449" y="367566"/>
+              <a:ext cx="237212" cy="76279"/>
+            </a:xfrm>
+            <a:prstGeom prst="rect">
+              <a:avLst/>
+            </a:prstGeom>
+            <a:noFill/>
+          </p:spPr>
+          <p:txBody>
+            <a:bodyPr lIns="0" rIns="0" tIns="0" bIns="0" anchorCtr="1" anchor="ctr" wrap="none"/>
+            <a:lstStyle/>
+            <a:p>
+              <a:pPr algn="l" marL="0" marR="0" indent="0">
+                <a:lnSpc>
+                  <a:spcPts val="640"/>
+                </a:lnSpc>
+                <a:spcBef>
+                  <a:spcPts val="0"/>
+                </a:spcBef>
+                <a:spcAft>
+                  <a:spcPts val="0"/>
+                </a:spcAft>
+              </a:pPr>
+              <a:r>
+                <a:rPr sz="640">
+                  <a:solidFill>
+                    <a:srgbClr val="4D4D4D">
+                      <a:alpha val="100000"/>
+                    </a:srgbClr>
+                  </a:solidFill>
+                  <a:latin typeface="Arial"/>
+                  <a:cs typeface="Arial"/>
+                </a:rPr>
+                <a:t>(n=22)</a:t>
+              </a:r>
+            </a:p>
+          </p:txBody>
+        </p:sp>
+        <p:sp>
+          <p:nvSpPr>
+            <p:cNvPr id="32" name="tx32"/>
+            <p:cNvSpPr/>
+            <p:nvPr/>
+          </p:nvSpPr>
+          <p:spPr>
+            <a:xfrm>
+              <a:off x="170024" y="96770"/>
               <a:ext cx="528637" cy="59134"/>
             </a:xfrm>
             <a:prstGeom prst="rect">
@@ -3148,13 +3266,13 @@
         </p:sp>
         <p:sp>
           <p:nvSpPr>
-            <p:cNvPr id="30" name="tx30"/>
-            <p:cNvSpPr/>
-            <p:nvPr/>
-          </p:nvSpPr>
-          <p:spPr>
-            <a:xfrm>
-              <a:off x="416245" y="190503"/>
+            <p:cNvPr id="33" name="tx33"/>
+            <p:cNvSpPr/>
+            <p:nvPr/>
+          </p:nvSpPr>
+          <p:spPr>
+            <a:xfrm>
+              <a:off x="416245" y="167408"/>
               <a:ext cx="282416" cy="76279"/>
             </a:xfrm>
             <a:prstGeom prst="rect">
@@ -3187,20 +3305,20 @@
                   <a:latin typeface="Arial"/>
                   <a:cs typeface="Arial"/>
                 </a:rPr>
-                <a:t>(n=346)</a:t>
+                <a:t>(n=344)</a:t>
               </a:r>
             </a:p>
           </p:txBody>
         </p:sp>
         <p:sp>
           <p:nvSpPr>
-            <p:cNvPr id="31" name="pl31"/>
-            <p:cNvSpPr/>
-            <p:nvPr/>
-          </p:nvSpPr>
-          <p:spPr>
-            <a:xfrm>
-              <a:off x="718905" y="1148403"/>
+            <p:cNvPr id="34" name="pl34"/>
+            <p:cNvSpPr/>
+            <p:nvPr/>
+          </p:nvSpPr>
+          <p:spPr>
+            <a:xfrm>
+              <a:off x="718905" y="1171498"/>
               <a:ext cx="25305" cy="0"/>
             </a:xfrm>
             <a:custGeom>
@@ -3234,13 +3352,13 @@
         </p:sp>
         <p:sp>
           <p:nvSpPr>
-            <p:cNvPr id="32" name="pl32"/>
-            <p:cNvSpPr/>
-            <p:nvPr/>
-          </p:nvSpPr>
-          <p:spPr>
-            <a:xfrm>
-              <a:off x="718905" y="909752"/>
+            <p:cNvPr id="35" name="pl35"/>
+            <p:cNvSpPr/>
+            <p:nvPr/>
+          </p:nvSpPr>
+          <p:spPr>
+            <a:xfrm>
+              <a:off x="718905" y="971339"/>
               <a:ext cx="25305" cy="0"/>
             </a:xfrm>
             <a:custGeom>
@@ -3274,13 +3392,13 @@
         </p:sp>
         <p:sp>
           <p:nvSpPr>
-            <p:cNvPr id="33" name="pl33"/>
-            <p:cNvSpPr/>
-            <p:nvPr/>
-          </p:nvSpPr>
-          <p:spPr>
-            <a:xfrm>
-              <a:off x="718905" y="671101"/>
+            <p:cNvPr id="36" name="pl36"/>
+            <p:cNvSpPr/>
+            <p:nvPr/>
+          </p:nvSpPr>
+          <p:spPr>
+            <a:xfrm>
+              <a:off x="718905" y="771181"/>
               <a:ext cx="25305" cy="0"/>
             </a:xfrm>
             <a:custGeom>
@@ -3314,13 +3432,13 @@
         </p:sp>
         <p:sp>
           <p:nvSpPr>
-            <p:cNvPr id="34" name="pl34"/>
-            <p:cNvSpPr/>
-            <p:nvPr/>
-          </p:nvSpPr>
-          <p:spPr>
-            <a:xfrm>
-              <a:off x="718905" y="432451"/>
+            <p:cNvPr id="37" name="pl37"/>
+            <p:cNvSpPr/>
+            <p:nvPr/>
+          </p:nvSpPr>
+          <p:spPr>
+            <a:xfrm>
+              <a:off x="718905" y="571022"/>
               <a:ext cx="25305" cy="0"/>
             </a:xfrm>
             <a:custGeom>
@@ -3354,13 +3472,13 @@
         </p:sp>
         <p:sp>
           <p:nvSpPr>
-            <p:cNvPr id="35" name="pl35"/>
-            <p:cNvSpPr/>
-            <p:nvPr/>
-          </p:nvSpPr>
-          <p:spPr>
-            <a:xfrm>
-              <a:off x="718905" y="193800"/>
+            <p:cNvPr id="38" name="pl38"/>
+            <p:cNvSpPr/>
+            <p:nvPr/>
+          </p:nvSpPr>
+          <p:spPr>
+            <a:xfrm>
+              <a:off x="718905" y="370863"/>
               <a:ext cx="25305" cy="0"/>
             </a:xfrm>
             <a:custGeom>
@@ -3394,7 +3512,47 @@
         </p:sp>
         <p:sp>
           <p:nvSpPr>
-            <p:cNvPr id="36" name="pl36"/>
+            <p:cNvPr id="39" name="pl39"/>
+            <p:cNvSpPr/>
+            <p:nvPr/>
+          </p:nvSpPr>
+          <p:spPr>
+            <a:xfrm>
+              <a:off x="718905" y="170705"/>
+              <a:ext cx="25305" cy="0"/>
+            </a:xfrm>
+            <a:custGeom>
+              <a:avLst/>
+              <a:pathLst>
+                <a:path w="25305" h="0">
+                  <a:moveTo>
+                    <a:pt x="0" y="0"/>
+                  </a:moveTo>
+                  <a:lnTo>
+                    <a:pt x="25305" y="0"/>
+                  </a:lnTo>
+                </a:path>
+              </a:pathLst>
+            </a:custGeom>
+            <a:ln w="9855" cap="flat">
+              <a:solidFill>
+                <a:srgbClr val="333333">
+                  <a:alpha val="100000"/>
+                </a:srgbClr>
+              </a:solidFill>
+              <a:prstDash val="solid"/>
+              <a:round/>
+            </a:ln>
+          </p:spPr>
+          <p:txBody>
+            <a:bodyPr/>
+            <a:lstStyle/>
+            <a:p/>
+          </p:txBody>
+        </p:sp>
+        <p:sp>
+          <p:nvSpPr>
+            <p:cNvPr id="40" name="pl40"/>
             <p:cNvSpPr/>
             <p:nvPr/>
           </p:nvSpPr>
@@ -3434,7 +3592,7 @@
         </p:sp>
         <p:sp>
           <p:nvSpPr>
-            <p:cNvPr id="37" name="pl37"/>
+            <p:cNvPr id="41" name="pl41"/>
             <p:cNvSpPr/>
             <p:nvPr/>
           </p:nvSpPr>
@@ -3474,7 +3632,7 @@
         </p:sp>
         <p:sp>
           <p:nvSpPr>
-            <p:cNvPr id="38" name="pl38"/>
+            <p:cNvPr id="42" name="pl42"/>
             <p:cNvSpPr/>
             <p:nvPr/>
           </p:nvSpPr>
@@ -3514,7 +3672,7 @@
         </p:sp>
         <p:sp>
           <p:nvSpPr>
-            <p:cNvPr id="39" name="pl39"/>
+            <p:cNvPr id="43" name="pl43"/>
             <p:cNvSpPr/>
             <p:nvPr/>
           </p:nvSpPr>
@@ -3554,7 +3712,7 @@
         </p:sp>
         <p:sp>
           <p:nvSpPr>
-            <p:cNvPr id="40" name="pl40"/>
+            <p:cNvPr id="44" name="pl44"/>
             <p:cNvSpPr/>
             <p:nvPr/>
           </p:nvSpPr>
@@ -3594,7 +3752,7 @@
         </p:sp>
         <p:sp>
           <p:nvSpPr>
-            <p:cNvPr id="41" name="pl41"/>
+            <p:cNvPr id="45" name="pl45"/>
             <p:cNvSpPr/>
             <p:nvPr/>
           </p:nvSpPr>
@@ -3634,7 +3792,7 @@
         </p:sp>
         <p:sp>
           <p:nvSpPr>
-            <p:cNvPr id="42" name="tx42"/>
+            <p:cNvPr id="46" name="tx46"/>
             <p:cNvSpPr/>
             <p:nvPr/>
           </p:nvSpPr>
@@ -3680,7 +3838,7 @@
         </p:sp>
         <p:sp>
           <p:nvSpPr>
-            <p:cNvPr id="43" name="tx43"/>
+            <p:cNvPr id="47" name="tx47"/>
             <p:cNvSpPr/>
             <p:nvPr/>
           </p:nvSpPr>
@@ -3726,7 +3884,7 @@
         </p:sp>
         <p:sp>
           <p:nvSpPr>
-            <p:cNvPr id="44" name="tx44"/>
+            <p:cNvPr id="48" name="tx48"/>
             <p:cNvSpPr/>
             <p:nvPr/>
           </p:nvSpPr>
@@ -3772,7 +3930,7 @@
         </p:sp>
         <p:sp>
           <p:nvSpPr>
-            <p:cNvPr id="45" name="tx45"/>
+            <p:cNvPr id="49" name="tx49"/>
             <p:cNvSpPr/>
             <p:nvPr/>
           </p:nvSpPr>
@@ -3818,7 +3976,7 @@
         </p:sp>
         <p:sp>
           <p:nvSpPr>
-            <p:cNvPr id="46" name="tx46"/>
+            <p:cNvPr id="50" name="tx50"/>
             <p:cNvSpPr/>
             <p:nvPr/>
           </p:nvSpPr>
@@ -3864,7 +4022,7 @@
         </p:sp>
         <p:sp>
           <p:nvSpPr>
-            <p:cNvPr id="47" name="tx47"/>
+            <p:cNvPr id="51" name="tx51"/>
             <p:cNvSpPr/>
             <p:nvPr/>
           </p:nvSpPr>
